--- a/Диплом/Презентация/Томская духовная семинария.pptx
+++ b/Диплом/Презентация/Томская духовная семинария.pptx
@@ -227,7 +227,7 @@
           <a:p>
             <a:fld id="{3322EAA0-03CC-4DAC-B711-37254AC6AFA6}" type="datetimeFigureOut">
               <a:rPr lang="ru-RU" smtClean="0"/>
-              <a:t>27.06.2021</a:t>
+              <a:t>28.06.2021</a:t>
             </a:fld>
             <a:endParaRPr lang="ru-RU"/>
           </a:p>
@@ -453,7 +453,7 @@
           <a:p>
             <a:fld id="{3322EAA0-03CC-4DAC-B711-37254AC6AFA6}" type="datetimeFigureOut">
               <a:rPr lang="ru-RU" smtClean="0"/>
-              <a:t>27.06.2021</a:t>
+              <a:t>28.06.2021</a:t>
             </a:fld>
             <a:endParaRPr lang="ru-RU"/>
           </a:p>
@@ -628,7 +628,7 @@
           <a:p>
             <a:fld id="{3322EAA0-03CC-4DAC-B711-37254AC6AFA6}" type="datetimeFigureOut">
               <a:rPr lang="ru-RU" smtClean="0"/>
-              <a:t>27.06.2021</a:t>
+              <a:t>28.06.2021</a:t>
             </a:fld>
             <a:endParaRPr lang="ru-RU"/>
           </a:p>
@@ -793,7 +793,7 @@
           <a:p>
             <a:fld id="{3322EAA0-03CC-4DAC-B711-37254AC6AFA6}" type="datetimeFigureOut">
               <a:rPr lang="ru-RU" smtClean="0"/>
-              <a:t>27.06.2021</a:t>
+              <a:t>28.06.2021</a:t>
             </a:fld>
             <a:endParaRPr lang="ru-RU"/>
           </a:p>
@@ -1037,7 +1037,7 @@
           <a:p>
             <a:fld id="{3322EAA0-03CC-4DAC-B711-37254AC6AFA6}" type="datetimeFigureOut">
               <a:rPr lang="ru-RU" smtClean="0"/>
-              <a:t>27.06.2021</a:t>
+              <a:t>28.06.2021</a:t>
             </a:fld>
             <a:endParaRPr lang="ru-RU"/>
           </a:p>
@@ -1301,7 +1301,7 @@
           <a:p>
             <a:fld id="{3322EAA0-03CC-4DAC-B711-37254AC6AFA6}" type="datetimeFigureOut">
               <a:rPr lang="ru-RU" smtClean="0"/>
-              <a:t>27.06.2021</a:t>
+              <a:t>28.06.2021</a:t>
             </a:fld>
             <a:endParaRPr lang="ru-RU"/>
           </a:p>
@@ -1675,7 +1675,7 @@
           <a:p>
             <a:fld id="{3322EAA0-03CC-4DAC-B711-37254AC6AFA6}" type="datetimeFigureOut">
               <a:rPr lang="ru-RU" smtClean="0"/>
-              <a:t>27.06.2021</a:t>
+              <a:t>28.06.2021</a:t>
             </a:fld>
             <a:endParaRPr lang="ru-RU"/>
           </a:p>
@@ -1788,7 +1788,7 @@
           <a:p>
             <a:fld id="{3322EAA0-03CC-4DAC-B711-37254AC6AFA6}" type="datetimeFigureOut">
               <a:rPr lang="ru-RU" smtClean="0"/>
-              <a:t>27.06.2021</a:t>
+              <a:t>28.06.2021</a:t>
             </a:fld>
             <a:endParaRPr lang="ru-RU"/>
           </a:p>
@@ -1878,7 +1878,7 @@
           <a:p>
             <a:fld id="{3322EAA0-03CC-4DAC-B711-37254AC6AFA6}" type="datetimeFigureOut">
               <a:rPr lang="ru-RU" smtClean="0"/>
-              <a:t>27.06.2021</a:t>
+              <a:t>28.06.2021</a:t>
             </a:fld>
             <a:endParaRPr lang="ru-RU"/>
           </a:p>
@@ -2136,7 +2136,7 @@
           <a:p>
             <a:fld id="{3322EAA0-03CC-4DAC-B711-37254AC6AFA6}" type="datetimeFigureOut">
               <a:rPr lang="ru-RU" smtClean="0"/>
-              <a:t>27.06.2021</a:t>
+              <a:t>28.06.2021</a:t>
             </a:fld>
             <a:endParaRPr lang="ru-RU"/>
           </a:p>
@@ -2400,7 +2400,7 @@
           <a:p>
             <a:fld id="{3322EAA0-03CC-4DAC-B711-37254AC6AFA6}" type="datetimeFigureOut">
               <a:rPr lang="ru-RU" smtClean="0"/>
-              <a:t>27.06.2021</a:t>
+              <a:t>28.06.2021</a:t>
             </a:fld>
             <a:endParaRPr lang="ru-RU"/>
           </a:p>
@@ -2617,7 +2617,7 @@
           <a:p>
             <a:fld id="{3322EAA0-03CC-4DAC-B711-37254AC6AFA6}" type="datetimeFigureOut">
               <a:rPr lang="ru-RU" smtClean="0"/>
-              <a:t>27.06.2021</a:t>
+              <a:t>28.06.2021</a:t>
             </a:fld>
             <a:endParaRPr lang="ru-RU"/>
           </a:p>
@@ -3419,16 +3419,19 @@
         </p:nvSpPr>
         <p:spPr>
           <a:xfrm>
-            <a:off x="1979712" y="1600200"/>
-            <a:ext cx="6707088" cy="4853136"/>
+            <a:off x="971600" y="1600200"/>
+            <a:ext cx="7715200" cy="4853136"/>
           </a:xfrm>
         </p:spPr>
         <p:txBody>
           <a:bodyPr>
-            <a:normAutofit fontScale="70000" lnSpcReduction="20000"/>
+            <a:normAutofit fontScale="77500" lnSpcReduction="20000"/>
           </a:bodyPr>
           <a:lstStyle/>
           <a:p>
+            <a:pPr marL="137160" indent="0">
+              <a:buNone/>
+            </a:pPr>
             <a:r>
               <a:rPr lang="ru-RU" dirty="0" smtClean="0"/>
               <a:t>Актуальность Книги </a:t>
@@ -3496,7 +3499,6 @@
               <a:rPr lang="ru-RU" dirty="0"/>
               <a:t>В этой связи особенно интересен взгляд на подобные проблемы древних восточных мудрецов и автора библейской Книги Екклесиаста.</a:t>
             </a:r>
-            <a:endParaRPr lang="ru-RU" dirty="0"/>
           </a:p>
         </p:txBody>
       </p:sp>
@@ -3729,7 +3731,6 @@
               <a:rPr lang="ru-RU" sz="3200" b="1" dirty="0" smtClean="0"/>
               <a:t>исследования </a:t>
             </a:r>
-            <a:endParaRPr lang="ru-RU" sz="3200" b="1" dirty="0" smtClean="0"/>
           </a:p>
         </p:txBody>
       </p:sp>
@@ -3762,7 +3763,6 @@
               <a:rPr lang="ru-RU" sz="3200" b="1" dirty="0" smtClean="0"/>
               <a:t>Предмет исследования</a:t>
             </a:r>
-            <a:endParaRPr lang="ru-RU" sz="3200" b="1" dirty="0" smtClean="0"/>
           </a:p>
         </p:txBody>
       </p:sp>

--- a/Диплом/Презентация/Томская духовная семинария.pptx
+++ b/Диплом/Презентация/Томская духовная семинария.pptx
@@ -12,9 +12,10 @@
     <p:sldId id="260" r:id="rId6"/>
     <p:sldId id="261" r:id="rId7"/>
     <p:sldId id="262" r:id="rId8"/>
-    <p:sldId id="263" r:id="rId9"/>
-    <p:sldId id="264" r:id="rId10"/>
-    <p:sldId id="265" r:id="rId11"/>
+    <p:sldId id="266" r:id="rId9"/>
+    <p:sldId id="263" r:id="rId10"/>
+    <p:sldId id="264" r:id="rId11"/>
+    <p:sldId id="265" r:id="rId12"/>
   </p:sldIdLst>
   <p:sldSz cx="9144000" cy="6858000" type="screen4x3"/>
   <p:notesSz cx="6858000" cy="9144000"/>
@@ -3291,6 +3292,194 @@
             <p:ph type="title"/>
           </p:nvPr>
         </p:nvSpPr>
+        <p:spPr/>
+        <p:txBody>
+          <a:bodyPr/>
+          <a:lstStyle/>
+          <a:p>
+            <a:r>
+              <a:rPr lang="ru-RU" dirty="0" smtClean="0"/>
+              <a:t>Исторические сопоставления</a:t>
+            </a:r>
+            <a:endParaRPr lang="ru-RU" dirty="0"/>
+          </a:p>
+        </p:txBody>
+      </p:sp>
+      <p:sp>
+        <p:nvSpPr>
+          <p:cNvPr id="3" name="Объект 2"/>
+          <p:cNvSpPr>
+            <a:spLocks noGrp="1"/>
+          </p:cNvSpPr>
+          <p:nvPr>
+            <p:ph sz="half" idx="1"/>
+          </p:nvPr>
+        </p:nvSpPr>
+        <p:spPr>
+          <a:xfrm>
+            <a:off x="457200" y="1600200"/>
+            <a:ext cx="8147248" cy="4525963"/>
+          </a:xfrm>
+        </p:spPr>
+        <p:txBody>
+          <a:bodyPr/>
+          <a:lstStyle/>
+          <a:p>
+            <a:pPr marL="137160" indent="0">
+              <a:buNone/>
+            </a:pPr>
+            <a:r>
+              <a:rPr lang="ru-RU" dirty="0" smtClean="0"/>
+              <a:t>Книга Екклесиаст и литература Древнего </a:t>
+            </a:r>
+            <a:r>
+              <a:rPr lang="ru-RU" dirty="0" smtClean="0"/>
+              <a:t>Шумера</a:t>
+            </a:r>
+          </a:p>
+          <a:p>
+            <a:r>
+              <a:rPr lang="ru-RU" sz="2000" dirty="0" smtClean="0"/>
+              <a:t>Угождение Богу</a:t>
+            </a:r>
+          </a:p>
+          <a:p>
+            <a:r>
+              <a:rPr lang="ru-RU" sz="2000" dirty="0"/>
+              <a:t>О человеке</a:t>
+            </a:r>
+          </a:p>
+          <a:p>
+            <a:r>
+              <a:rPr lang="ru-RU" sz="2000" dirty="0"/>
+              <a:t>Богатство и бедность</a:t>
+            </a:r>
+          </a:p>
+          <a:p>
+            <a:endParaRPr lang="ru-RU" sz="2000" dirty="0" smtClean="0"/>
+          </a:p>
+          <a:p>
+            <a:pPr marL="137160" indent="0">
+              <a:buNone/>
+            </a:pPr>
+            <a:r>
+              <a:rPr lang="ru-RU" dirty="0" smtClean="0"/>
+              <a:t>Книга  Екклесиаст и литература </a:t>
+            </a:r>
+            <a:r>
+              <a:rPr lang="ru-RU" dirty="0" err="1" smtClean="0"/>
+              <a:t>Древенго</a:t>
+            </a:r>
+            <a:r>
+              <a:rPr lang="ru-RU" dirty="0" smtClean="0"/>
+              <a:t> </a:t>
+            </a:r>
+            <a:r>
+              <a:rPr lang="ru-RU" dirty="0" smtClean="0"/>
+              <a:t>Египта</a:t>
+            </a:r>
+          </a:p>
+          <a:p>
+            <a:r>
+              <a:rPr lang="ru-RU" sz="2000" dirty="0"/>
+              <a:t>Древнеегипетская «Песнь арфиста» и библейская Книг </a:t>
+            </a:r>
+            <a:r>
+              <a:rPr lang="ru-RU" sz="2000" dirty="0" smtClean="0"/>
+              <a:t>Екклесиаста</a:t>
+            </a:r>
+          </a:p>
+          <a:p>
+            <a:r>
+              <a:rPr lang="ru-RU" sz="2000" dirty="0"/>
+              <a:t>Разговор разочарованного со своим </a:t>
+            </a:r>
+            <a:r>
+              <a:rPr lang="ru-RU" sz="2000" dirty="0" smtClean="0"/>
+              <a:t>Ба </a:t>
+            </a:r>
+            <a:r>
+              <a:rPr lang="ru-RU" sz="2000" dirty="0"/>
+              <a:t>и Книга </a:t>
+            </a:r>
+            <a:r>
+              <a:rPr lang="ru-RU" sz="2000" dirty="0" smtClean="0"/>
+              <a:t>Екклесиаста</a:t>
+            </a:r>
+          </a:p>
+          <a:p>
+            <a:r>
+              <a:rPr lang="ru-RU" sz="2000" dirty="0"/>
+              <a:t>Размышления </a:t>
+            </a:r>
+            <a:r>
+              <a:rPr lang="ru-RU" sz="2000" dirty="0" err="1"/>
+              <a:t>Хахаперрасенеба</a:t>
+            </a:r>
+            <a:r>
+              <a:rPr lang="ru-RU" sz="2000" dirty="0"/>
+              <a:t> со своим </a:t>
+            </a:r>
+            <a:r>
+              <a:rPr lang="ru-RU" sz="2000" dirty="0" smtClean="0"/>
+              <a:t>сердцем </a:t>
+            </a:r>
+            <a:r>
+              <a:rPr lang="ru-RU" sz="2000" dirty="0"/>
+              <a:t>и библейская Книга Екклесиаста</a:t>
+            </a:r>
+          </a:p>
+          <a:p>
+            <a:pPr marL="137160" indent="0">
+              <a:buNone/>
+            </a:pPr>
+            <a:endParaRPr lang="ru-RU" dirty="0" smtClean="0"/>
+          </a:p>
+          <a:p>
+            <a:endParaRPr lang="ru-RU" dirty="0"/>
+          </a:p>
+        </p:txBody>
+      </p:sp>
+    </p:spTree>
+    <p:extLst>
+      <p:ext uri="{BB962C8B-B14F-4D97-AF65-F5344CB8AC3E}">
+        <p14:creationId xmlns:p14="http://schemas.microsoft.com/office/powerpoint/2010/main" val="1294631527"/>
+      </p:ext>
+    </p:extLst>
+  </p:cSld>
+  <p:clrMapOvr>
+    <a:masterClrMapping/>
+  </p:clrMapOvr>
+</p:sld>
+</file>
+
+<file path=ppt/slides/slide11.xml><?xml version="1.0" encoding="utf-8"?>
+<p:sld xmlns:a="http://schemas.openxmlformats.org/drawingml/2006/main" xmlns:r="http://schemas.openxmlformats.org/officeDocument/2006/relationships" xmlns:p="http://schemas.openxmlformats.org/presentationml/2006/main">
+  <p:cSld>
+    <p:spTree>
+      <p:nvGrpSpPr>
+        <p:cNvPr id="1" name=""/>
+        <p:cNvGrpSpPr/>
+        <p:nvPr/>
+      </p:nvGrpSpPr>
+      <p:grpSpPr>
+        <a:xfrm>
+          <a:off x="0" y="0"/>
+          <a:ext cx="0" cy="0"/>
+          <a:chOff x="0" y="0"/>
+          <a:chExt cx="0" cy="0"/>
+        </a:xfrm>
+      </p:grpSpPr>
+      <p:sp>
+        <p:nvSpPr>
+          <p:cNvPr id="2" name="Заголовок 1"/>
+          <p:cNvSpPr>
+            <a:spLocks noGrp="1"/>
+          </p:cNvSpPr>
+          <p:nvPr>
+            <p:ph type="title"/>
+          </p:nvPr>
+        </p:nvSpPr>
         <p:spPr>
           <a:xfrm>
             <a:off x="457200" y="274638"/>
@@ -3327,23 +3516,85 @@
         </p:spPr>
         <p:txBody>
           <a:bodyPr>
-            <a:normAutofit fontScale="55000" lnSpcReduction="20000"/>
+            <a:normAutofit fontScale="85000" lnSpcReduction="20000"/>
           </a:bodyPr>
           <a:lstStyle/>
           <a:p>
-            <a:r>
-              <a:rPr lang="ru-RU" sz="3300" dirty="0" smtClean="0"/>
-              <a:t>О </a:t>
-            </a:r>
-            <a:r>
-              <a:rPr lang="ru-RU" sz="3300" dirty="0"/>
-              <a:t>Соломоне, как ни об одном другом персонаже Ветхого Завета, существует огромное количество притч, легенд, преданий в еврейских, арабских эфиопских источниках. Баснословность и сказочность многих из них дало повод для критики вообще относиться со скепсисом ко всему, что приписывается перу Соломона. Тем более, что и сама Библия содержит неканонический текст книги Премудрости Соломона, который составителями канона был признан полезным чтением для научения всякому человеку, но все же не Богодухновенным. Сейчас уже нет ни возможности, ни оснований подтверждать или опровергать многие из таких сказаний. Но, можно утверждать, что тот или иной народный эпос возникал на исторической основе.</a:t>
-            </a:r>
-          </a:p>
-          <a:p>
-            <a:r>
-              <a:rPr lang="ru-RU" sz="3300" dirty="0"/>
-              <a:t>Анализ, проведенный в работе показывает, что исключительно филологический анализ текста книги не позволяет с достоверностью отнести время ее создания к какой-нибудь определенной эпохе. Аргументы авторов западной библейской критики, как-то: насыщенность арамеизмами, зависимости автора от греческой философии, исторические аллюзии, указывающие на более поздний период создания, «утомленность» автора с его специфически скептическим отношением ко всему сущему, влияния на автора других писателей Ветхого Завета и др., может быть объяснена в рамках традиционного иудаистического и древнего христианского прочтения книги.</a:t>
+            <a:pPr marL="137160" indent="0">
+              <a:buNone/>
+            </a:pPr>
+            <a:r>
+              <a:rPr lang="ru-RU" sz="1900" dirty="0"/>
+              <a:t>В работе сделана попытка дать историко-</a:t>
+            </a:r>
+            <a:r>
+              <a:rPr lang="ru-RU" sz="1900" dirty="0" err="1"/>
+              <a:t>исагогический</a:t>
+            </a:r>
+            <a:r>
+              <a:rPr lang="ru-RU" sz="1900" dirty="0"/>
+              <a:t> анализ книги Екклесиаст. Т.е. такого анализа, когда для привлекаются не научные методы, предлагаемые современной филологией и лингвистикой, а данные извлекаемые из сопоставления книг исторического содержания (3 Царств и 2 Паралипоменон) и историческими, характеристическими данными содержащихся в исследуемой книге.</a:t>
+            </a:r>
+          </a:p>
+          <a:p>
+            <a:pPr marL="137160" indent="0">
+              <a:buNone/>
+            </a:pPr>
+            <a:r>
+              <a:rPr lang="ru-RU" sz="1900" dirty="0"/>
+              <a:t>Кроме исторических книг привлечены для анализа книги учительные – книги того направления, которые называются литературой хокмы.</a:t>
+            </a:r>
+          </a:p>
+          <a:p>
+            <a:pPr marL="137160" indent="0">
+              <a:buNone/>
+            </a:pPr>
+            <a:r>
+              <a:rPr lang="ru-RU" sz="1900" dirty="0"/>
+              <a:t>Сделана попытка рассмотреть книгу Екклесиаст в контексте древней мудрости востока – с привлечением данных полученных в </a:t>
+            </a:r>
+            <a:r>
+              <a:rPr lang="en-US" sz="1900" dirty="0"/>
+              <a:t>XIX </a:t>
+            </a:r>
+            <a:r>
+              <a:rPr lang="ru-RU" sz="1900" dirty="0"/>
+              <a:t>и </a:t>
+            </a:r>
+            <a:r>
+              <a:rPr lang="en-US" sz="1900" dirty="0"/>
+              <a:t>XX </a:t>
+            </a:r>
+            <a:r>
+              <a:rPr lang="ru-RU" sz="1900" dirty="0"/>
+              <a:t>веках археологами в областях Древнего Шумера и Древнего Египта.</a:t>
+            </a:r>
+          </a:p>
+          <a:p>
+            <a:pPr marL="137160" indent="0">
+              <a:buNone/>
+            </a:pPr>
+            <a:r>
+              <a:rPr lang="ru-RU" sz="1900" dirty="0"/>
+              <a:t>Выявлено множество стилистических и литературных совпадений в книгах мудрости Древнего Востока, литературе хокмы и книгой.</a:t>
+            </a:r>
+          </a:p>
+          <a:p>
+            <a:pPr marL="137160" indent="0">
+              <a:buNone/>
+            </a:pPr>
+            <a:r>
+              <a:rPr lang="ru-RU" sz="1900" dirty="0"/>
+              <a:t>Показано, что вопросы внутренней противоречивости книги Екклесиаст могут быть осмысленны в контексте литературы мудрости вообще. Кроме того, обнаружена возможность сделать вывод о богодухновенности книги Екклесиаст исходя из того, что Египетские и Шумерские тексты канули в лету, а книга Екклесиаст – жива.</a:t>
+            </a:r>
+          </a:p>
+          <a:p>
+            <a:pPr marL="137160" indent="0">
+              <a:buNone/>
+            </a:pPr>
+            <a:r>
+              <a:rPr lang="ru-RU" sz="1900" dirty="0"/>
+              <a:t>Анализ, проведенный в работе, показывает, что исключительно филологический анализ текста книги не позволяет с достоверностью отнести время ее создания к какой-нибудь определенной эпохе. Аргументы авторов западной библейской критики как-то: насыщенность арамеизмами, зависимости автора от греческой философии, исторические аллюзии, указывающие на более поздний период создания, «утомленность» автора с его специфически скептическим отношением ко всему сущему, влияния на автора других писателей Ветхого Завета и др., могут быть объяснены в рамках традиционного иудаистического и древнего христианского прочтения книги.</a:t>
             </a:r>
           </a:p>
           <a:p>
@@ -4345,8 +4596,9 @@
           </a:bodyPr>
           <a:lstStyle/>
           <a:p>
-            <a:pPr marL="137160" indent="0">
-              <a:buNone/>
+            <a:pPr marL="594360" indent="-457200">
+              <a:buFont typeface="+mj-lt"/>
+              <a:buAutoNum type="arabicPeriod"/>
             </a:pPr>
             <a:r>
               <a:rPr lang="ru-RU" sz="2400" b="1" dirty="0" smtClean="0"/>
@@ -4354,55 +4606,72 @@
             </a:r>
           </a:p>
           <a:p>
-            <a:r>
-              <a:rPr lang="ru-RU" sz="2000" dirty="0" smtClean="0"/>
+            <a:pPr lvl="1"/>
+            <a:r>
+              <a:rPr lang="ru-RU" sz="1800" dirty="0" smtClean="0"/>
               <a:t>Слова </a:t>
             </a:r>
             <a:r>
-              <a:rPr lang="ru-RU" sz="2000" dirty="0"/>
+              <a:rPr lang="ru-RU" sz="1800" dirty="0"/>
               <a:t>Екклесиаста, сына Давидова, царя в </a:t>
             </a:r>
             <a:r>
-              <a:rPr lang="ru-RU" sz="2000" dirty="0" smtClean="0"/>
+              <a:rPr lang="ru-RU" sz="1800" dirty="0" smtClean="0"/>
               <a:t>Иерусалиме</a:t>
             </a:r>
           </a:p>
           <a:p>
-            <a:r>
-              <a:rPr lang="ru-RU" sz="2000" dirty="0" smtClean="0"/>
+            <a:pPr lvl="1"/>
+            <a:r>
+              <a:rPr lang="ru-RU" sz="1800" dirty="0" smtClean="0"/>
               <a:t>Прямая речь </a:t>
             </a:r>
           </a:p>
           <a:p>
-            <a:r>
-              <a:rPr lang="ru-RU" sz="2000" dirty="0" smtClean="0"/>
+            <a:pPr lvl="1"/>
+            <a:r>
+              <a:rPr lang="ru-RU" sz="1800" dirty="0" smtClean="0"/>
               <a:t>Заключение книги</a:t>
             </a:r>
           </a:p>
           <a:p>
-            <a:r>
-              <a:rPr lang="ru-RU" sz="2000" dirty="0" smtClean="0"/>
+            <a:pPr lvl="1"/>
+            <a:r>
+              <a:rPr lang="ru-RU" sz="1800" dirty="0" smtClean="0"/>
               <a:t>Царское достоинство автора</a:t>
             </a:r>
           </a:p>
           <a:p>
-            <a:r>
-              <a:rPr lang="ru-RU" sz="2000" dirty="0" smtClean="0"/>
-              <a:t>Обширные торговые связи </a:t>
-            </a:r>
-          </a:p>
-          <a:p>
-            <a:pPr marL="137160" indent="0">
-              <a:buNone/>
+            <a:pPr lvl="1"/>
+            <a:r>
+              <a:rPr lang="ru-RU" sz="1800" dirty="0"/>
+              <a:t>Деятельность царя, как мудрого правителя и политика</a:t>
+            </a:r>
+            <a:r>
+              <a:rPr lang="ru-RU" sz="1800" dirty="0" smtClean="0"/>
+              <a:t> </a:t>
+            </a:r>
+            <a:endParaRPr lang="ru-RU" sz="1800" dirty="0" smtClean="0"/>
+          </a:p>
+          <a:p>
+            <a:pPr marL="594360" indent="-457200">
+              <a:buFont typeface="+mj-lt"/>
+              <a:buAutoNum type="arabicPeriod"/>
             </a:pPr>
             <a:r>
               <a:rPr lang="ru-RU" sz="2400" dirty="0" smtClean="0"/>
-              <a:t>Личность автора</a:t>
-            </a:r>
-          </a:p>
-          <a:p>
-            <a:pPr marL="137160" indent="0">
-              <a:buNone/>
+              <a:t>Личность </a:t>
+            </a:r>
+            <a:r>
+              <a:rPr lang="ru-RU" sz="2400" dirty="0" smtClean="0"/>
+              <a:t>автора</a:t>
+            </a:r>
+            <a:endParaRPr lang="ru-RU" sz="2400" dirty="0" smtClean="0"/>
+          </a:p>
+          <a:p>
+            <a:pPr marL="594360" indent="-457200">
+              <a:buFont typeface="+mj-lt"/>
+              <a:buAutoNum type="arabicPeriod"/>
             </a:pPr>
             <a:r>
               <a:rPr lang="ru-RU" sz="2400" dirty="0" smtClean="0"/>
@@ -4410,21 +4679,17 @@
             </a:r>
           </a:p>
           <a:p>
-            <a:pPr marL="137160" indent="0">
-              <a:buNone/>
+            <a:pPr marL="594360" indent="-457200">
+              <a:buFont typeface="+mj-lt"/>
+              <a:buAutoNum type="arabicPeriod"/>
             </a:pPr>
             <a:r>
               <a:rPr lang="ru-RU" sz="2400" dirty="0" smtClean="0"/>
-              <a:t>Свидетельство Екклесиаста о современниках</a:t>
-            </a:r>
-          </a:p>
-          <a:p>
-            <a:pPr marL="137160" indent="0">
-              <a:buNone/>
-            </a:pPr>
+              <a:t>Сходство </a:t>
+            </a:r>
             <a:r>
               <a:rPr lang="ru-RU" sz="2400" dirty="0" smtClean="0"/>
-              <a:t>Сходство книги с другими произведениями Соломона</a:t>
+              <a:t>книги с другими произведениями Соломона</a:t>
             </a:r>
           </a:p>
         </p:txBody>
@@ -4469,33 +4734,10 @@
             <p:ph type="title"/>
           </p:nvPr>
         </p:nvSpPr>
-        <p:spPr/>
-        <p:txBody>
-          <a:bodyPr/>
-          <a:lstStyle/>
-          <a:p>
-            <a:r>
-              <a:rPr lang="ru-RU" dirty="0" smtClean="0"/>
-              <a:t>Философия хокмы</a:t>
-            </a:r>
-            <a:endParaRPr lang="ru-RU" dirty="0"/>
-          </a:p>
-        </p:txBody>
-      </p:sp>
-      <p:sp>
-        <p:nvSpPr>
-          <p:cNvPr id="3" name="Объект 2"/>
-          <p:cNvSpPr>
-            <a:spLocks noGrp="1"/>
-          </p:cNvSpPr>
-          <p:nvPr>
-            <p:ph sz="half" idx="1"/>
-          </p:nvPr>
-        </p:nvSpPr>
         <p:spPr>
           <a:xfrm>
-            <a:off x="457200" y="1600200"/>
-            <a:ext cx="8075240" cy="4525963"/>
+            <a:off x="457200" y="274638"/>
+            <a:ext cx="8229600" cy="850106"/>
           </a:xfrm>
         </p:spPr>
         <p:txBody>
@@ -4504,40 +4746,1188 @@
           <a:p>
             <a:r>
               <a:rPr lang="ru-RU" dirty="0" smtClean="0"/>
-              <a:t>Среда из которой происходит философия хокмы</a:t>
-            </a:r>
-          </a:p>
-          <a:p>
-            <a:r>
-              <a:rPr lang="ru-RU" dirty="0" smtClean="0"/>
-              <a:t>Вопрос о возможности отнесения философии хокмы к философии как таковой</a:t>
-            </a:r>
-          </a:p>
-          <a:p>
-            <a:r>
-              <a:rPr lang="ru-RU" dirty="0" smtClean="0"/>
-              <a:t>Екклесиаст и литература хокмы</a:t>
-            </a:r>
-          </a:p>
-          <a:p>
-            <a:r>
-              <a:rPr lang="ru-RU" dirty="0" smtClean="0"/>
-              <a:t>Внутренняя связность повествования в книге Екклесиаст</a:t>
-            </a:r>
-          </a:p>
-          <a:p>
-            <a:r>
-              <a:rPr lang="ru-RU" dirty="0" smtClean="0"/>
-              <a:t>Возможность трактовки книги, как книги поэтической</a:t>
+              <a:t>Таблица соответствий</a:t>
             </a:r>
             <a:endParaRPr lang="ru-RU" dirty="0"/>
           </a:p>
         </p:txBody>
       </p:sp>
+      <p:graphicFrame>
+        <p:nvGraphicFramePr>
+          <p:cNvPr id="5" name="Объект 4"/>
+          <p:cNvGraphicFramePr>
+            <a:graphicFrameLocks noGrp="1"/>
+          </p:cNvGraphicFramePr>
+          <p:nvPr>
+            <p:ph sz="half" idx="1"/>
+            <p:extLst>
+              <p:ext uri="{D42A27DB-BD31-4B8C-83A1-F6EECF244321}">
+                <p14:modId xmlns:p14="http://schemas.microsoft.com/office/powerpoint/2010/main" val="1140714696"/>
+              </p:ext>
+            </p:extLst>
+          </p:nvPr>
+        </p:nvGraphicFramePr>
+        <p:xfrm>
+          <a:off x="467543" y="1268760"/>
+          <a:ext cx="8208913" cy="4952308"/>
+        </p:xfrm>
+        <a:graphic>
+          <a:graphicData uri="http://schemas.openxmlformats.org/drawingml/2006/table">
+            <a:tbl>
+              <a:tblPr firstRow="1" firstCol="1" bandRow="1">
+                <a:tableStyleId>{5C22544A-7EE6-4342-B048-85BDC9FD1C3A}</a:tableStyleId>
+              </a:tblPr>
+              <a:tblGrid>
+                <a:gridCol w="1850234"/>
+                <a:gridCol w="2902295"/>
+                <a:gridCol w="3456384"/>
+              </a:tblGrid>
+              <a:tr h="238209">
+                <a:tc>
+                  <a:txBody>
+                    <a:bodyPr/>
+                    <a:lstStyle/>
+                    <a:p>
+                      <a:pPr indent="450215" algn="just">
+                        <a:lnSpc>
+                          <a:spcPct val="150000"/>
+                        </a:lnSpc>
+                        <a:spcAft>
+                          <a:spcPts val="0"/>
+                        </a:spcAft>
+                      </a:pPr>
+                      <a:r>
+                        <a:rPr lang="ru-RU" sz="1500" dirty="0">
+                          <a:effectLst/>
+                        </a:rPr>
+                        <a:t>Еккл. 2:26</a:t>
+                      </a:r>
+                      <a:endParaRPr lang="ru-RU" sz="1500" dirty="0">
+                        <a:effectLst/>
+                        <a:latin typeface="Times New Roman"/>
+                        <a:ea typeface="Calibri"/>
+                        <a:cs typeface="Times New Roman"/>
+                      </a:endParaRPr>
+                    </a:p>
+                  </a:txBody>
+                  <a:tcPr marL="25522" marR="25522" marT="0" marB="0"/>
+                </a:tc>
+                <a:tc>
+                  <a:txBody>
+                    <a:bodyPr/>
+                    <a:lstStyle/>
+                    <a:p>
+                      <a:pPr indent="450215" algn="just">
+                        <a:lnSpc>
+                          <a:spcPct val="150000"/>
+                        </a:lnSpc>
+                        <a:spcAft>
+                          <a:spcPts val="0"/>
+                        </a:spcAft>
+                      </a:pPr>
+                      <a:r>
+                        <a:rPr lang="ru-RU" sz="1500">
+                          <a:effectLst/>
+                        </a:rPr>
+                        <a:t>Притч. 2:6</a:t>
+                      </a:r>
+                      <a:endParaRPr lang="ru-RU" sz="1500">
+                        <a:effectLst/>
+                        <a:latin typeface="Times New Roman"/>
+                        <a:ea typeface="Calibri"/>
+                        <a:cs typeface="Times New Roman"/>
+                      </a:endParaRPr>
+                    </a:p>
+                  </a:txBody>
+                  <a:tcPr marL="25522" marR="25522" marT="0" marB="0"/>
+                </a:tc>
+                <a:tc>
+                  <a:txBody>
+                    <a:bodyPr/>
+                    <a:lstStyle/>
+                    <a:p>
+                      <a:pPr indent="450215" algn="just">
+                        <a:lnSpc>
+                          <a:spcPct val="150000"/>
+                        </a:lnSpc>
+                        <a:spcAft>
+                          <a:spcPts val="0"/>
+                        </a:spcAft>
+                      </a:pPr>
+                      <a:r>
+                        <a:rPr lang="ru-RU" sz="1500">
+                          <a:effectLst/>
+                        </a:rPr>
+                        <a:t>Бог даёт мудрость и разум</a:t>
+                      </a:r>
+                      <a:endParaRPr lang="ru-RU" sz="1500">
+                        <a:effectLst/>
+                        <a:latin typeface="Times New Roman"/>
+                        <a:ea typeface="Calibri"/>
+                        <a:cs typeface="Times New Roman"/>
+                      </a:endParaRPr>
+                    </a:p>
+                  </a:txBody>
+                  <a:tcPr marL="25522" marR="25522" marT="0" marB="0"/>
+                </a:tc>
+              </a:tr>
+              <a:tr h="238209">
+                <a:tc>
+                  <a:txBody>
+                    <a:bodyPr/>
+                    <a:lstStyle/>
+                    <a:p>
+                      <a:pPr indent="450215" algn="just">
+                        <a:lnSpc>
+                          <a:spcPct val="150000"/>
+                        </a:lnSpc>
+                        <a:spcAft>
+                          <a:spcPts val="0"/>
+                        </a:spcAft>
+                      </a:pPr>
+                      <a:r>
+                        <a:rPr lang="ru-RU" sz="1500" dirty="0">
+                          <a:effectLst/>
+                        </a:rPr>
+                        <a:t>Еккл. 1–2</a:t>
+                      </a:r>
+                      <a:endParaRPr lang="ru-RU" sz="1500" dirty="0">
+                        <a:effectLst/>
+                        <a:latin typeface="Times New Roman"/>
+                        <a:ea typeface="Calibri"/>
+                        <a:cs typeface="Times New Roman"/>
+                      </a:endParaRPr>
+                    </a:p>
+                  </a:txBody>
+                  <a:tcPr marL="25522" marR="25522" marT="0" marB="0"/>
+                </a:tc>
+                <a:tc>
+                  <a:txBody>
+                    <a:bodyPr/>
+                    <a:lstStyle/>
+                    <a:p>
+                      <a:pPr indent="450215" algn="just">
+                        <a:lnSpc>
+                          <a:spcPct val="150000"/>
+                        </a:lnSpc>
+                        <a:spcAft>
+                          <a:spcPts val="0"/>
+                        </a:spcAft>
+                      </a:pPr>
+                      <a:r>
+                        <a:rPr lang="ru-RU" sz="1500" dirty="0">
+                          <a:effectLst/>
+                        </a:rPr>
+                        <a:t>Притч. 13:11; 21:6; 31:30</a:t>
+                      </a:r>
+                      <a:endParaRPr lang="ru-RU" sz="1500" dirty="0">
+                        <a:effectLst/>
+                        <a:latin typeface="Times New Roman"/>
+                        <a:ea typeface="Calibri"/>
+                        <a:cs typeface="Times New Roman"/>
+                      </a:endParaRPr>
+                    </a:p>
+                  </a:txBody>
+                  <a:tcPr marL="25522" marR="25522" marT="0" marB="0"/>
+                </a:tc>
+                <a:tc>
+                  <a:txBody>
+                    <a:bodyPr/>
+                    <a:lstStyle/>
+                    <a:p>
+                      <a:pPr indent="0" algn="l">
+                        <a:lnSpc>
+                          <a:spcPct val="150000"/>
+                        </a:lnSpc>
+                        <a:spcAft>
+                          <a:spcPts val="0"/>
+                        </a:spcAft>
+                      </a:pPr>
+                      <a:r>
+                        <a:rPr lang="ru-RU" sz="1500" dirty="0">
+                          <a:effectLst/>
+                        </a:rPr>
+                        <a:t>Учение о суете</a:t>
+                      </a:r>
+                      <a:endParaRPr lang="ru-RU" sz="1500" dirty="0">
+                        <a:effectLst/>
+                        <a:latin typeface="Times New Roman"/>
+                        <a:ea typeface="Calibri"/>
+                        <a:cs typeface="Times New Roman"/>
+                      </a:endParaRPr>
+                    </a:p>
+                  </a:txBody>
+                  <a:tcPr marL="25522" marR="25522" marT="0" marB="0"/>
+                </a:tc>
+              </a:tr>
+              <a:tr h="238209">
+                <a:tc>
+                  <a:txBody>
+                    <a:bodyPr/>
+                    <a:lstStyle/>
+                    <a:p>
+                      <a:pPr indent="450215" algn="just">
+                        <a:lnSpc>
+                          <a:spcPct val="150000"/>
+                        </a:lnSpc>
+                        <a:spcAft>
+                          <a:spcPts val="0"/>
+                        </a:spcAft>
+                      </a:pPr>
+                      <a:r>
+                        <a:rPr lang="ru-RU" sz="1500" dirty="0">
+                          <a:effectLst/>
+                        </a:rPr>
+                        <a:t>Еккл. 4:15–16</a:t>
+                      </a:r>
+                      <a:endParaRPr lang="ru-RU" sz="1500" dirty="0">
+                        <a:effectLst/>
+                        <a:latin typeface="Times New Roman"/>
+                        <a:ea typeface="Calibri"/>
+                        <a:cs typeface="Times New Roman"/>
+                      </a:endParaRPr>
+                    </a:p>
+                  </a:txBody>
+                  <a:tcPr marL="25522" marR="25522" marT="0" marB="0"/>
+                </a:tc>
+                <a:tc>
+                  <a:txBody>
+                    <a:bodyPr/>
+                    <a:lstStyle/>
+                    <a:p>
+                      <a:pPr indent="450215" algn="just">
+                        <a:lnSpc>
+                          <a:spcPct val="150000"/>
+                        </a:lnSpc>
+                        <a:spcAft>
+                          <a:spcPts val="0"/>
+                        </a:spcAft>
+                      </a:pPr>
+                      <a:r>
+                        <a:rPr lang="ru-RU" sz="1500">
+                          <a:effectLst/>
+                        </a:rPr>
+                        <a:t>Притч. 14:28</a:t>
+                      </a:r>
+                      <a:endParaRPr lang="ru-RU" sz="1500">
+                        <a:effectLst/>
+                        <a:latin typeface="Times New Roman"/>
+                        <a:ea typeface="Calibri"/>
+                        <a:cs typeface="Times New Roman"/>
+                      </a:endParaRPr>
+                    </a:p>
+                  </a:txBody>
+                  <a:tcPr marL="25522" marR="25522" marT="0" marB="0"/>
+                </a:tc>
+                <a:tc rowSpan="2">
+                  <a:txBody>
+                    <a:bodyPr/>
+                    <a:lstStyle/>
+                    <a:p>
+                      <a:pPr indent="0" algn="l">
+                        <a:lnSpc>
+                          <a:spcPct val="150000"/>
+                        </a:lnSpc>
+                        <a:spcAft>
+                          <a:spcPts val="0"/>
+                        </a:spcAft>
+                      </a:pPr>
+                      <a:r>
+                        <a:rPr lang="ru-RU" sz="1500" dirty="0">
+                          <a:effectLst/>
+                        </a:rPr>
+                        <a:t>О царе и царской власти</a:t>
+                      </a:r>
+                      <a:endParaRPr lang="ru-RU" sz="1500" dirty="0">
+                        <a:effectLst/>
+                        <a:latin typeface="Times New Roman"/>
+                        <a:ea typeface="Calibri"/>
+                        <a:cs typeface="Times New Roman"/>
+                      </a:endParaRPr>
+                    </a:p>
+                  </a:txBody>
+                  <a:tcPr marL="25522" marR="25522" marT="0" marB="0"/>
+                </a:tc>
+              </a:tr>
+              <a:tr h="238209">
+                <a:tc>
+                  <a:txBody>
+                    <a:bodyPr/>
+                    <a:lstStyle/>
+                    <a:p>
+                      <a:pPr indent="450215" algn="just">
+                        <a:lnSpc>
+                          <a:spcPct val="150000"/>
+                        </a:lnSpc>
+                        <a:spcAft>
+                          <a:spcPts val="0"/>
+                        </a:spcAft>
+                      </a:pPr>
+                      <a:r>
+                        <a:rPr lang="ru-RU" sz="1500" dirty="0">
+                          <a:effectLst/>
+                        </a:rPr>
+                        <a:t>Еккл. 5:8; 8:3–4</a:t>
+                      </a:r>
+                      <a:endParaRPr lang="ru-RU" sz="1500" dirty="0">
+                        <a:effectLst/>
+                        <a:latin typeface="Times New Roman"/>
+                        <a:ea typeface="Calibri"/>
+                        <a:cs typeface="Times New Roman"/>
+                      </a:endParaRPr>
+                    </a:p>
+                  </a:txBody>
+                  <a:tcPr marL="25522" marR="25522" marT="0" marB="0"/>
+                </a:tc>
+                <a:tc>
+                  <a:txBody>
+                    <a:bodyPr/>
+                    <a:lstStyle/>
+                    <a:p>
+                      <a:pPr indent="450215" algn="just">
+                        <a:lnSpc>
+                          <a:spcPct val="150000"/>
+                        </a:lnSpc>
+                        <a:spcAft>
+                          <a:spcPts val="0"/>
+                        </a:spcAft>
+                      </a:pPr>
+                      <a:r>
+                        <a:rPr lang="ru-RU" sz="1500">
+                          <a:effectLst/>
+                        </a:rPr>
+                        <a:t>Притч. 16:10–15; 19:20</a:t>
+                      </a:r>
+                      <a:endParaRPr lang="ru-RU" sz="1500">
+                        <a:effectLst/>
+                        <a:latin typeface="Times New Roman"/>
+                        <a:ea typeface="Calibri"/>
+                        <a:cs typeface="Times New Roman"/>
+                      </a:endParaRPr>
+                    </a:p>
+                  </a:txBody>
+                  <a:tcPr marL="25522" marR="25522" marT="0" marB="0"/>
+                </a:tc>
+                <a:tc vMerge="1">
+                  <a:txBody>
+                    <a:bodyPr/>
+                    <a:lstStyle/>
+                    <a:p>
+                      <a:endParaRPr lang="ru-RU"/>
+                    </a:p>
+                  </a:txBody>
+                  <a:tcPr/>
+                </a:tc>
+              </a:tr>
+              <a:tr h="119104">
+                <a:tc>
+                  <a:txBody>
+                    <a:bodyPr/>
+                    <a:lstStyle/>
+                    <a:p>
+                      <a:pPr indent="450215" algn="just">
+                        <a:lnSpc>
+                          <a:spcPct val="150000"/>
+                        </a:lnSpc>
+                        <a:spcAft>
+                          <a:spcPts val="0"/>
+                        </a:spcAft>
+                      </a:pPr>
+                      <a:r>
+                        <a:rPr lang="ru-RU" sz="1500">
+                          <a:effectLst/>
+                        </a:rPr>
+                        <a:t>Еккл. 6:2</a:t>
+                      </a:r>
+                      <a:endParaRPr lang="ru-RU" sz="1500">
+                        <a:effectLst/>
+                        <a:latin typeface="Times New Roman"/>
+                        <a:ea typeface="Calibri"/>
+                        <a:cs typeface="Times New Roman"/>
+                      </a:endParaRPr>
+                    </a:p>
+                  </a:txBody>
+                  <a:tcPr marL="25522" marR="25522" marT="0" marB="0"/>
+                </a:tc>
+                <a:tc>
+                  <a:txBody>
+                    <a:bodyPr/>
+                    <a:lstStyle/>
+                    <a:p>
+                      <a:pPr indent="450215" algn="just">
+                        <a:lnSpc>
+                          <a:spcPct val="150000"/>
+                        </a:lnSpc>
+                        <a:spcAft>
+                          <a:spcPts val="0"/>
+                        </a:spcAft>
+                      </a:pPr>
+                      <a:r>
+                        <a:rPr lang="ru-RU" sz="1500">
+                          <a:effectLst/>
+                        </a:rPr>
+                        <a:t>Притч. 22:2</a:t>
+                      </a:r>
+                      <a:endParaRPr lang="ru-RU" sz="1500">
+                        <a:effectLst/>
+                        <a:latin typeface="Times New Roman"/>
+                        <a:ea typeface="Calibri"/>
+                        <a:cs typeface="Times New Roman"/>
+                      </a:endParaRPr>
+                    </a:p>
+                  </a:txBody>
+                  <a:tcPr marL="25522" marR="25522" marT="0" marB="0"/>
+                </a:tc>
+                <a:tc>
+                  <a:txBody>
+                    <a:bodyPr/>
+                    <a:lstStyle/>
+                    <a:p>
+                      <a:pPr indent="0" algn="l">
+                        <a:lnSpc>
+                          <a:spcPct val="150000"/>
+                        </a:lnSpc>
+                        <a:spcAft>
+                          <a:spcPts val="0"/>
+                        </a:spcAft>
+                      </a:pPr>
+                      <a:r>
+                        <a:rPr lang="ru-RU" sz="1500" dirty="0">
+                          <a:effectLst/>
+                        </a:rPr>
+                        <a:t>О богатстве</a:t>
+                      </a:r>
+                      <a:endParaRPr lang="ru-RU" sz="1500" dirty="0">
+                        <a:effectLst/>
+                        <a:latin typeface="Times New Roman"/>
+                        <a:ea typeface="Calibri"/>
+                        <a:cs typeface="Times New Roman"/>
+                      </a:endParaRPr>
+                    </a:p>
+                  </a:txBody>
+                  <a:tcPr marL="25522" marR="25522" marT="0" marB="0"/>
+                </a:tc>
+              </a:tr>
+              <a:tr h="238209">
+                <a:tc>
+                  <a:txBody>
+                    <a:bodyPr/>
+                    <a:lstStyle/>
+                    <a:p>
+                      <a:pPr indent="450215" algn="just">
+                        <a:lnSpc>
+                          <a:spcPct val="150000"/>
+                        </a:lnSpc>
+                        <a:spcAft>
+                          <a:spcPts val="0"/>
+                        </a:spcAft>
+                      </a:pPr>
+                      <a:r>
+                        <a:rPr lang="ru-RU" sz="1500">
+                          <a:effectLst/>
+                        </a:rPr>
+                        <a:t>Еккл. 7:26</a:t>
+                      </a:r>
+                      <a:endParaRPr lang="ru-RU" sz="1500">
+                        <a:effectLst/>
+                        <a:latin typeface="Times New Roman"/>
+                        <a:ea typeface="Calibri"/>
+                        <a:cs typeface="Times New Roman"/>
+                      </a:endParaRPr>
+                    </a:p>
+                  </a:txBody>
+                  <a:tcPr marL="25522" marR="25522" marT="0" marB="0"/>
+                </a:tc>
+                <a:tc>
+                  <a:txBody>
+                    <a:bodyPr/>
+                    <a:lstStyle/>
+                    <a:p>
+                      <a:pPr indent="450215" algn="just">
+                        <a:lnSpc>
+                          <a:spcPct val="150000"/>
+                        </a:lnSpc>
+                        <a:spcAft>
+                          <a:spcPts val="0"/>
+                        </a:spcAft>
+                      </a:pPr>
+                      <a:r>
+                        <a:rPr lang="ru-RU" sz="1500" dirty="0">
+                          <a:effectLst/>
+                        </a:rPr>
+                        <a:t>Притч. 5:18–22; 22:14</a:t>
+                      </a:r>
+                      <a:endParaRPr lang="ru-RU" sz="1500" dirty="0">
+                        <a:effectLst/>
+                        <a:latin typeface="Times New Roman"/>
+                        <a:ea typeface="Calibri"/>
+                        <a:cs typeface="Times New Roman"/>
+                      </a:endParaRPr>
+                    </a:p>
+                  </a:txBody>
+                  <a:tcPr marL="25522" marR="25522" marT="0" marB="0"/>
+                </a:tc>
+                <a:tc>
+                  <a:txBody>
+                    <a:bodyPr/>
+                    <a:lstStyle/>
+                    <a:p>
+                      <a:pPr indent="0" algn="l" rtl="0">
+                        <a:lnSpc>
+                          <a:spcPct val="150000"/>
+                        </a:lnSpc>
+                        <a:spcAft>
+                          <a:spcPts val="0"/>
+                        </a:spcAft>
+                      </a:pPr>
+                      <a:r>
+                        <a:rPr lang="ru-RU" sz="1500" dirty="0">
+                          <a:effectLst/>
+                        </a:rPr>
+                        <a:t>Об увлечении женщинами и распутстве</a:t>
+                      </a:r>
+                      <a:endParaRPr lang="ru-RU" sz="1500" dirty="0">
+                        <a:effectLst/>
+                        <a:latin typeface="Times New Roman"/>
+                        <a:ea typeface="Calibri"/>
+                        <a:cs typeface="Times New Roman"/>
+                      </a:endParaRPr>
+                    </a:p>
+                  </a:txBody>
+                  <a:tcPr marL="25522" marR="25522" marT="0" marB="0"/>
+                </a:tc>
+              </a:tr>
+              <a:tr h="357313">
+                <a:tc>
+                  <a:txBody>
+                    <a:bodyPr/>
+                    <a:lstStyle/>
+                    <a:p>
+                      <a:pPr indent="450215" algn="just">
+                        <a:lnSpc>
+                          <a:spcPct val="150000"/>
+                        </a:lnSpc>
+                        <a:spcAft>
+                          <a:spcPts val="0"/>
+                        </a:spcAft>
+                      </a:pPr>
+                      <a:r>
+                        <a:rPr lang="ru-RU" sz="1500">
+                          <a:effectLst/>
+                        </a:rPr>
+                        <a:t>Еккл. 9:4</a:t>
+                      </a:r>
+                      <a:endParaRPr lang="ru-RU" sz="1500">
+                        <a:effectLst/>
+                        <a:latin typeface="Times New Roman"/>
+                        <a:ea typeface="Calibri"/>
+                        <a:cs typeface="Times New Roman"/>
+                      </a:endParaRPr>
+                    </a:p>
+                  </a:txBody>
+                  <a:tcPr marL="25522" marR="25522" marT="0" marB="0"/>
+                </a:tc>
+                <a:tc>
+                  <a:txBody>
+                    <a:bodyPr/>
+                    <a:lstStyle/>
+                    <a:p>
+                      <a:pPr indent="450215" algn="just">
+                        <a:lnSpc>
+                          <a:spcPct val="150000"/>
+                        </a:lnSpc>
+                        <a:spcAft>
+                          <a:spcPts val="0"/>
+                        </a:spcAft>
+                      </a:pPr>
+                      <a:r>
+                        <a:rPr lang="ru-RU" sz="1500" dirty="0">
+                          <a:effectLst/>
+                        </a:rPr>
+                        <a:t>Притч. 16:13–14</a:t>
+                      </a:r>
+                      <a:endParaRPr lang="ru-RU" sz="1500" dirty="0">
+                        <a:effectLst/>
+                        <a:latin typeface="Times New Roman"/>
+                        <a:ea typeface="Calibri"/>
+                        <a:cs typeface="Times New Roman"/>
+                      </a:endParaRPr>
+                    </a:p>
+                  </a:txBody>
+                  <a:tcPr marL="25522" marR="25522" marT="0" marB="0"/>
+                </a:tc>
+                <a:tc>
+                  <a:txBody>
+                    <a:bodyPr/>
+                    <a:lstStyle/>
+                    <a:p>
+                      <a:pPr indent="0" algn="l">
+                        <a:lnSpc>
+                          <a:spcPct val="150000"/>
+                        </a:lnSpc>
+                        <a:spcAft>
+                          <a:spcPts val="0"/>
+                        </a:spcAft>
+                      </a:pPr>
+                      <a:r>
+                        <a:rPr lang="ru-RU" sz="1500">
+                          <a:effectLst/>
+                        </a:rPr>
+                        <a:t>О кроткой речи и значении её в глазах гневного начальника</a:t>
+                      </a:r>
+                      <a:endParaRPr lang="ru-RU" sz="1500">
+                        <a:effectLst/>
+                        <a:latin typeface="Times New Roman"/>
+                        <a:ea typeface="Calibri"/>
+                        <a:cs typeface="Times New Roman"/>
+                      </a:endParaRPr>
+                    </a:p>
+                  </a:txBody>
+                  <a:tcPr marL="25522" marR="25522" marT="0" marB="0"/>
+                </a:tc>
+              </a:tr>
+              <a:tr h="238209">
+                <a:tc>
+                  <a:txBody>
+                    <a:bodyPr/>
+                    <a:lstStyle/>
+                    <a:p>
+                      <a:pPr indent="450215" algn="just">
+                        <a:lnSpc>
+                          <a:spcPct val="150000"/>
+                        </a:lnSpc>
+                        <a:spcAft>
+                          <a:spcPts val="0"/>
+                        </a:spcAft>
+                      </a:pPr>
+                      <a:r>
+                        <a:rPr lang="ru-RU" sz="1500">
+                          <a:effectLst/>
+                        </a:rPr>
+                        <a:t>Еккл. 9:17</a:t>
+                      </a:r>
+                      <a:endParaRPr lang="ru-RU" sz="1500">
+                        <a:effectLst/>
+                        <a:latin typeface="Times New Roman"/>
+                        <a:ea typeface="Calibri"/>
+                        <a:cs typeface="Times New Roman"/>
+                      </a:endParaRPr>
+                    </a:p>
+                  </a:txBody>
+                  <a:tcPr marL="25522" marR="25522" marT="0" marB="0"/>
+                </a:tc>
+                <a:tc>
+                  <a:txBody>
+                    <a:bodyPr/>
+                    <a:lstStyle/>
+                    <a:p>
+                      <a:pPr indent="450215" algn="just">
+                        <a:lnSpc>
+                          <a:spcPct val="150000"/>
+                        </a:lnSpc>
+                        <a:spcAft>
+                          <a:spcPts val="0"/>
+                        </a:spcAft>
+                      </a:pPr>
+                      <a:r>
+                        <a:rPr lang="ru-RU" sz="1500" dirty="0">
+                          <a:effectLst/>
+                        </a:rPr>
+                        <a:t>Притч. 18:21–22</a:t>
+                      </a:r>
+                      <a:endParaRPr lang="ru-RU" sz="1500" dirty="0">
+                        <a:effectLst/>
+                        <a:latin typeface="Times New Roman"/>
+                        <a:ea typeface="Calibri"/>
+                        <a:cs typeface="Times New Roman"/>
+                      </a:endParaRPr>
+                    </a:p>
+                  </a:txBody>
+                  <a:tcPr marL="25522" marR="25522" marT="0" marB="0"/>
+                </a:tc>
+                <a:tc>
+                  <a:txBody>
+                    <a:bodyPr/>
+                    <a:lstStyle/>
+                    <a:p>
+                      <a:pPr indent="0" algn="l">
+                        <a:lnSpc>
+                          <a:spcPct val="150000"/>
+                        </a:lnSpc>
+                        <a:spcAft>
+                          <a:spcPts val="0"/>
+                        </a:spcAft>
+                      </a:pPr>
+                      <a:r>
+                        <a:rPr lang="ru-RU" sz="1500" dirty="0">
+                          <a:effectLst/>
+                        </a:rPr>
+                        <a:t>Об умных и глупых речах человека</a:t>
+                      </a:r>
+                      <a:endParaRPr lang="ru-RU" sz="1500" dirty="0">
+                        <a:effectLst/>
+                        <a:latin typeface="Times New Roman"/>
+                        <a:ea typeface="Calibri"/>
+                        <a:cs typeface="Times New Roman"/>
+                      </a:endParaRPr>
+                    </a:p>
+                  </a:txBody>
+                  <a:tcPr marL="25522" marR="25522" marT="0" marB="0"/>
+                </a:tc>
+              </a:tr>
+              <a:tr h="238209">
+                <a:tc>
+                  <a:txBody>
+                    <a:bodyPr/>
+                    <a:lstStyle/>
+                    <a:p>
+                      <a:pPr indent="450215" algn="just">
+                        <a:lnSpc>
+                          <a:spcPct val="150000"/>
+                        </a:lnSpc>
+                        <a:spcAft>
+                          <a:spcPts val="0"/>
+                        </a:spcAft>
+                      </a:pPr>
+                      <a:r>
+                        <a:rPr lang="ru-RU" sz="1500">
+                          <a:effectLst/>
+                        </a:rPr>
+                        <a:t>Еккл. 10:6–7</a:t>
+                      </a:r>
+                      <a:endParaRPr lang="ru-RU" sz="1500">
+                        <a:effectLst/>
+                        <a:latin typeface="Times New Roman"/>
+                        <a:ea typeface="Calibri"/>
+                        <a:cs typeface="Times New Roman"/>
+                      </a:endParaRPr>
+                    </a:p>
+                  </a:txBody>
+                  <a:tcPr marL="25522" marR="25522" marT="0" marB="0"/>
+                </a:tc>
+                <a:tc>
+                  <a:txBody>
+                    <a:bodyPr/>
+                    <a:lstStyle/>
+                    <a:p>
+                      <a:pPr indent="450215" algn="just">
+                        <a:lnSpc>
+                          <a:spcPct val="150000"/>
+                        </a:lnSpc>
+                        <a:spcAft>
+                          <a:spcPts val="0"/>
+                        </a:spcAft>
+                      </a:pPr>
+                      <a:r>
+                        <a:rPr lang="ru-RU" sz="1500">
+                          <a:effectLst/>
+                        </a:rPr>
+                        <a:t>Притч. 19:10</a:t>
+                      </a:r>
+                      <a:endParaRPr lang="ru-RU" sz="1500">
+                        <a:effectLst/>
+                        <a:latin typeface="Times New Roman"/>
+                        <a:ea typeface="Calibri"/>
+                        <a:cs typeface="Times New Roman"/>
+                      </a:endParaRPr>
+                    </a:p>
+                  </a:txBody>
+                  <a:tcPr marL="25522" marR="25522" marT="0" marB="0"/>
+                </a:tc>
+                <a:tc>
+                  <a:txBody>
+                    <a:bodyPr/>
+                    <a:lstStyle/>
+                    <a:p>
+                      <a:pPr indent="0" algn="l">
+                        <a:lnSpc>
+                          <a:spcPct val="150000"/>
+                        </a:lnSpc>
+                        <a:spcAft>
+                          <a:spcPts val="0"/>
+                        </a:spcAft>
+                      </a:pPr>
+                      <a:r>
+                        <a:rPr lang="ru-RU" sz="1500" dirty="0">
+                          <a:effectLst/>
+                        </a:rPr>
+                        <a:t>О чести глупых рабов</a:t>
+                      </a:r>
+                      <a:endParaRPr lang="ru-RU" sz="1500" dirty="0">
+                        <a:effectLst/>
+                        <a:latin typeface="Times New Roman"/>
+                        <a:ea typeface="Calibri"/>
+                        <a:cs typeface="Times New Roman"/>
+                      </a:endParaRPr>
+                    </a:p>
+                  </a:txBody>
+                  <a:tcPr marL="25522" marR="25522" marT="0" marB="0"/>
+                </a:tc>
+              </a:tr>
+              <a:tr h="238209">
+                <a:tc>
+                  <a:txBody>
+                    <a:bodyPr/>
+                    <a:lstStyle/>
+                    <a:p>
+                      <a:pPr indent="450215" algn="just">
+                        <a:lnSpc>
+                          <a:spcPct val="150000"/>
+                        </a:lnSpc>
+                        <a:spcAft>
+                          <a:spcPts val="0"/>
+                        </a:spcAft>
+                      </a:pPr>
+                      <a:r>
+                        <a:rPr lang="ru-RU" sz="1500">
+                          <a:effectLst/>
+                        </a:rPr>
+                        <a:t>Еккл. 5:1</a:t>
+                      </a:r>
+                      <a:endParaRPr lang="ru-RU" sz="1500">
+                        <a:effectLst/>
+                        <a:latin typeface="Times New Roman"/>
+                        <a:ea typeface="Calibri"/>
+                        <a:cs typeface="Times New Roman"/>
+                      </a:endParaRPr>
+                    </a:p>
+                  </a:txBody>
+                  <a:tcPr marL="25522" marR="25522" marT="0" marB="0"/>
+                </a:tc>
+                <a:tc>
+                  <a:txBody>
+                    <a:bodyPr/>
+                    <a:lstStyle/>
+                    <a:p>
+                      <a:pPr indent="450215" algn="just">
+                        <a:lnSpc>
+                          <a:spcPct val="150000"/>
+                        </a:lnSpc>
+                        <a:spcAft>
+                          <a:spcPts val="0"/>
+                        </a:spcAft>
+                      </a:pPr>
+                      <a:r>
+                        <a:rPr lang="ru-RU" sz="1500">
+                          <a:effectLst/>
+                        </a:rPr>
+                        <a:t>Притч. 29:25</a:t>
+                      </a:r>
+                      <a:endParaRPr lang="ru-RU" sz="1500">
+                        <a:effectLst/>
+                        <a:latin typeface="Times New Roman"/>
+                        <a:ea typeface="Calibri"/>
+                        <a:cs typeface="Times New Roman"/>
+                      </a:endParaRPr>
+                    </a:p>
+                  </a:txBody>
+                  <a:tcPr marL="25522" marR="25522" marT="0" marB="0"/>
+                </a:tc>
+                <a:tc>
+                  <a:txBody>
+                    <a:bodyPr/>
+                    <a:lstStyle/>
+                    <a:p>
+                      <a:pPr indent="0" algn="l">
+                        <a:lnSpc>
+                          <a:spcPct val="150000"/>
+                        </a:lnSpc>
+                        <a:spcAft>
+                          <a:spcPts val="0"/>
+                        </a:spcAft>
+                      </a:pPr>
+                      <a:r>
+                        <a:rPr lang="ru-RU" sz="1500" dirty="0">
+                          <a:effectLst/>
+                        </a:rPr>
+                        <a:t>О поспешных и необдуманных обетах</a:t>
+                      </a:r>
+                      <a:endParaRPr lang="ru-RU" sz="1500" dirty="0">
+                        <a:effectLst/>
+                        <a:latin typeface="Times New Roman"/>
+                        <a:ea typeface="Calibri"/>
+                        <a:cs typeface="Times New Roman"/>
+                      </a:endParaRPr>
+                    </a:p>
+                  </a:txBody>
+                  <a:tcPr marL="25522" marR="25522" marT="0" marB="0"/>
+                </a:tc>
+              </a:tr>
+              <a:tr h="238209">
+                <a:tc>
+                  <a:txBody>
+                    <a:bodyPr/>
+                    <a:lstStyle/>
+                    <a:p>
+                      <a:pPr indent="450215" algn="just">
+                        <a:lnSpc>
+                          <a:spcPct val="150000"/>
+                        </a:lnSpc>
+                        <a:spcAft>
+                          <a:spcPts val="0"/>
+                        </a:spcAft>
+                      </a:pPr>
+                      <a:r>
+                        <a:rPr lang="ru-RU" sz="1500">
+                          <a:effectLst/>
+                        </a:rPr>
+                        <a:t>Еккл. 7:12</a:t>
+                      </a:r>
+                      <a:endParaRPr lang="ru-RU" sz="1500">
+                        <a:effectLst/>
+                        <a:latin typeface="Times New Roman"/>
+                        <a:ea typeface="Calibri"/>
+                        <a:cs typeface="Times New Roman"/>
+                      </a:endParaRPr>
+                    </a:p>
+                  </a:txBody>
+                  <a:tcPr marL="25522" marR="25522" marT="0" marB="0"/>
+                </a:tc>
+                <a:tc>
+                  <a:txBody>
+                    <a:bodyPr/>
+                    <a:lstStyle/>
+                    <a:p>
+                      <a:pPr indent="450215" algn="just">
+                        <a:lnSpc>
+                          <a:spcPct val="150000"/>
+                        </a:lnSpc>
+                        <a:spcAft>
+                          <a:spcPts val="0"/>
+                        </a:spcAft>
+                      </a:pPr>
+                      <a:r>
+                        <a:rPr lang="ru-RU" sz="1500">
+                          <a:effectLst/>
+                        </a:rPr>
+                        <a:t>Притч. 12:28</a:t>
+                      </a:r>
+                      <a:endParaRPr lang="ru-RU" sz="1500">
+                        <a:effectLst/>
+                        <a:latin typeface="Times New Roman"/>
+                        <a:ea typeface="Calibri"/>
+                        <a:cs typeface="Times New Roman"/>
+                      </a:endParaRPr>
+                    </a:p>
+                  </a:txBody>
+                  <a:tcPr marL="25522" marR="25522" marT="0" marB="0"/>
+                </a:tc>
+                <a:tc>
+                  <a:txBody>
+                    <a:bodyPr/>
+                    <a:lstStyle/>
+                    <a:p>
+                      <a:pPr indent="0" algn="l">
+                        <a:lnSpc>
+                          <a:spcPct val="150000"/>
+                        </a:lnSpc>
+                        <a:spcAft>
+                          <a:spcPts val="0"/>
+                        </a:spcAft>
+                      </a:pPr>
+                      <a:r>
+                        <a:rPr lang="ru-RU" sz="1500" dirty="0">
+                          <a:effectLst/>
+                        </a:rPr>
+                        <a:t>О бессмертии и значении для него мудрости</a:t>
+                      </a:r>
+                      <a:endParaRPr lang="ru-RU" sz="1500" dirty="0">
+                        <a:effectLst/>
+                        <a:latin typeface="Times New Roman"/>
+                        <a:ea typeface="Calibri"/>
+                        <a:cs typeface="Times New Roman"/>
+                      </a:endParaRPr>
+                    </a:p>
+                  </a:txBody>
+                  <a:tcPr marL="25522" marR="25522" marT="0" marB="0"/>
+                </a:tc>
+              </a:tr>
+              <a:tr h="238209">
+                <a:tc>
+                  <a:txBody>
+                    <a:bodyPr/>
+                    <a:lstStyle/>
+                    <a:p>
+                      <a:pPr indent="450215" algn="just">
+                        <a:lnSpc>
+                          <a:spcPct val="150000"/>
+                        </a:lnSpc>
+                        <a:spcAft>
+                          <a:spcPts val="0"/>
+                        </a:spcAft>
+                      </a:pPr>
+                      <a:r>
+                        <a:rPr lang="ru-RU" sz="1500">
+                          <a:effectLst/>
+                        </a:rPr>
+                        <a:t>Еккл. 7:19; 9:16</a:t>
+                      </a:r>
+                      <a:endParaRPr lang="ru-RU" sz="1500">
+                        <a:effectLst/>
+                        <a:latin typeface="Times New Roman"/>
+                        <a:ea typeface="Calibri"/>
+                        <a:cs typeface="Times New Roman"/>
+                      </a:endParaRPr>
+                    </a:p>
+                  </a:txBody>
+                  <a:tcPr marL="25522" marR="25522" marT="0" marB="0"/>
+                </a:tc>
+                <a:tc>
+                  <a:txBody>
+                    <a:bodyPr/>
+                    <a:lstStyle/>
+                    <a:p>
+                      <a:pPr indent="450215" algn="just">
+                        <a:lnSpc>
+                          <a:spcPct val="150000"/>
+                        </a:lnSpc>
+                        <a:spcAft>
+                          <a:spcPts val="0"/>
+                        </a:spcAft>
+                      </a:pPr>
+                      <a:r>
+                        <a:rPr lang="ru-RU" sz="1500">
+                          <a:effectLst/>
+                        </a:rPr>
+                        <a:t>Притч. 24:5</a:t>
+                      </a:r>
+                      <a:endParaRPr lang="ru-RU" sz="1500">
+                        <a:effectLst/>
+                        <a:latin typeface="Times New Roman"/>
+                        <a:ea typeface="Calibri"/>
+                        <a:cs typeface="Times New Roman"/>
+                      </a:endParaRPr>
+                    </a:p>
+                  </a:txBody>
+                  <a:tcPr marL="25522" marR="25522" marT="0" marB="0"/>
+                </a:tc>
+                <a:tc>
+                  <a:txBody>
+                    <a:bodyPr/>
+                    <a:lstStyle/>
+                    <a:p>
+                      <a:pPr indent="0" algn="l">
+                        <a:lnSpc>
+                          <a:spcPct val="150000"/>
+                        </a:lnSpc>
+                        <a:spcAft>
+                          <a:spcPts val="0"/>
+                        </a:spcAft>
+                      </a:pPr>
+                      <a:r>
+                        <a:rPr lang="ru-RU" sz="1500" dirty="0">
+                          <a:effectLst/>
+                        </a:rPr>
+                        <a:t>Мудрость есть источник силы</a:t>
+                      </a:r>
+                      <a:endParaRPr lang="ru-RU" sz="1500" dirty="0">
+                        <a:effectLst/>
+                        <a:latin typeface="Times New Roman"/>
+                        <a:ea typeface="Calibri"/>
+                        <a:cs typeface="Times New Roman"/>
+                      </a:endParaRPr>
+                    </a:p>
+                  </a:txBody>
+                  <a:tcPr marL="25522" marR="25522" marT="0" marB="0"/>
+                </a:tc>
+              </a:tr>
+              <a:tr h="357313">
+                <a:tc>
+                  <a:txBody>
+                    <a:bodyPr/>
+                    <a:lstStyle/>
+                    <a:p>
+                      <a:pPr indent="450215" algn="just">
+                        <a:lnSpc>
+                          <a:spcPct val="150000"/>
+                        </a:lnSpc>
+                        <a:spcAft>
+                          <a:spcPts val="0"/>
+                        </a:spcAft>
+                      </a:pPr>
+                      <a:r>
+                        <a:rPr lang="ru-RU" sz="1500" dirty="0">
+                          <a:effectLst/>
+                        </a:rPr>
+                        <a:t>Еккл. 7:26</a:t>
+                      </a:r>
+                      <a:endParaRPr lang="ru-RU" sz="1500" dirty="0">
+                        <a:effectLst/>
+                        <a:latin typeface="Times New Roman"/>
+                        <a:ea typeface="Calibri"/>
+                        <a:cs typeface="Times New Roman"/>
+                      </a:endParaRPr>
+                    </a:p>
+                  </a:txBody>
+                  <a:tcPr marL="25522" marR="25522" marT="0" marB="0"/>
+                </a:tc>
+                <a:tc>
+                  <a:txBody>
+                    <a:bodyPr/>
+                    <a:lstStyle/>
+                    <a:p>
+                      <a:pPr indent="450215" algn="just">
+                        <a:lnSpc>
+                          <a:spcPct val="150000"/>
+                        </a:lnSpc>
+                        <a:spcAft>
+                          <a:spcPts val="0"/>
+                        </a:spcAft>
+                      </a:pPr>
+                      <a:r>
+                        <a:rPr lang="ru-RU" sz="1500">
+                          <a:effectLst/>
+                        </a:rPr>
+                        <a:t>Притч. 7:23</a:t>
+                      </a:r>
+                      <a:endParaRPr lang="ru-RU" sz="1500">
+                        <a:effectLst/>
+                        <a:latin typeface="Times New Roman"/>
+                        <a:ea typeface="Calibri"/>
+                        <a:cs typeface="Times New Roman"/>
+                      </a:endParaRPr>
+                    </a:p>
+                  </a:txBody>
+                  <a:tcPr marL="25522" marR="25522" marT="0" marB="0"/>
+                </a:tc>
+                <a:tc>
+                  <a:txBody>
+                    <a:bodyPr/>
+                    <a:lstStyle/>
+                    <a:p>
+                      <a:pPr indent="0" algn="l">
+                        <a:lnSpc>
+                          <a:spcPct val="150000"/>
+                        </a:lnSpc>
+                        <a:spcAft>
+                          <a:spcPts val="0"/>
+                        </a:spcAft>
+                      </a:pPr>
+                      <a:r>
+                        <a:rPr lang="ru-RU" sz="1500" dirty="0">
+                          <a:effectLst/>
+                        </a:rPr>
+                        <a:t>Распутная женщина – «силки» для неопытного мужчины</a:t>
+                      </a:r>
+                      <a:endParaRPr lang="ru-RU" sz="1500" dirty="0">
+                        <a:effectLst/>
+                        <a:latin typeface="Times New Roman"/>
+                        <a:ea typeface="Calibri"/>
+                        <a:cs typeface="Times New Roman"/>
+                      </a:endParaRPr>
+                    </a:p>
+                  </a:txBody>
+                  <a:tcPr marL="25522" marR="25522" marT="0" marB="0"/>
+                </a:tc>
+              </a:tr>
+            </a:tbl>
+          </a:graphicData>
+        </a:graphic>
+      </p:graphicFrame>
     </p:spTree>
     <p:extLst>
       <p:ext uri="{BB962C8B-B14F-4D97-AF65-F5344CB8AC3E}">
-        <p14:creationId xmlns:p14="http://schemas.microsoft.com/office/powerpoint/2010/main" val="5389093"/>
+        <p14:creationId xmlns:p14="http://schemas.microsoft.com/office/powerpoint/2010/main" val="2025145998"/>
       </p:ext>
     </p:extLst>
   </p:cSld>
@@ -4581,7 +5971,7 @@
           <a:p>
             <a:r>
               <a:rPr lang="ru-RU" dirty="0" smtClean="0"/>
-              <a:t>Исторические сопоставления</a:t>
+              <a:t>Философия хокмы</a:t>
             </a:r>
             <a:endParaRPr lang="ru-RU" dirty="0"/>
           </a:p>
@@ -4600,47 +5990,153 @@
         <p:spPr>
           <a:xfrm>
             <a:off x="457200" y="1600200"/>
-            <a:ext cx="8147248" cy="4525963"/>
+            <a:ext cx="8075240" cy="4853136"/>
           </a:xfrm>
         </p:spPr>
         <p:txBody>
-          <a:bodyPr/>
-          <a:lstStyle/>
-          <a:p>
-            <a:pPr marL="137160" indent="0">
-              <a:buNone/>
+          <a:bodyPr>
+            <a:normAutofit/>
+          </a:bodyPr>
+          <a:lstStyle/>
+          <a:p>
+            <a:r>
+              <a:rPr lang="ru-RU" sz="2200" dirty="0" smtClean="0"/>
+              <a:t>Екклесиаст </a:t>
+            </a:r>
+            <a:r>
+              <a:rPr lang="ru-RU" sz="2200" dirty="0" smtClean="0"/>
+              <a:t>и литература хокмы</a:t>
+            </a:r>
+          </a:p>
+          <a:p>
+            <a:r>
+              <a:rPr lang="ru-RU" sz="2200" dirty="0" smtClean="0"/>
+              <a:t>Внутренняя связность повествования в книге </a:t>
+            </a:r>
+            <a:r>
+              <a:rPr lang="ru-RU" sz="2200" dirty="0" smtClean="0"/>
+              <a:t>Екклесиаст</a:t>
+            </a:r>
+          </a:p>
+          <a:p>
+            <a:pPr marL="651510" lvl="0" indent="-514350">
+              <a:buFont typeface="+mj-lt"/>
+              <a:buAutoNum type="arabicPeriod"/>
             </a:pPr>
             <a:r>
-              <a:rPr lang="ru-RU" dirty="0" smtClean="0"/>
-              <a:t>Книга Екклесиаст и литература Древнего Шумера</a:t>
-            </a:r>
-          </a:p>
-          <a:p>
-            <a:pPr marL="137160" indent="0">
-              <a:buNone/>
+              <a:rPr lang="ru-RU" sz="1500" b="1" dirty="0" err="1"/>
+              <a:t>Гроций</a:t>
+            </a:r>
+            <a:r>
+              <a:rPr lang="ru-RU" sz="1500" b="1" dirty="0"/>
+              <a:t>, </a:t>
+            </a:r>
+            <a:r>
+              <a:rPr lang="ru-RU" sz="1500" b="1" dirty="0" err="1"/>
+              <a:t>Дедерлейн</a:t>
+            </a:r>
+            <a:r>
+              <a:rPr lang="ru-RU" sz="1500" b="1" dirty="0"/>
+              <a:t>, </a:t>
+            </a:r>
+            <a:r>
+              <a:rPr lang="ru-RU" sz="1500" b="1" dirty="0" err="1"/>
+              <a:t>Павлюс</a:t>
+            </a:r>
+            <a:r>
+              <a:rPr lang="ru-RU" sz="1500" dirty="0"/>
+              <a:t>.</a:t>
+            </a:r>
+            <a:br>
+              <a:rPr lang="ru-RU" sz="1500" dirty="0"/>
+            </a:br>
+            <a:r>
+              <a:rPr lang="ru-RU" sz="1500" dirty="0"/>
+              <a:t>Содержание книги, по его мнению авторов может быть распределено по восьми отделениям, которые чередуются в соответствии с правилами ведения интеллектуальной беседы, т.е. введение в предмет.</a:t>
+            </a:r>
+          </a:p>
+          <a:p>
+            <a:pPr marL="651510" lvl="0" indent="-514350">
+              <a:buFont typeface="+mj-lt"/>
+              <a:buAutoNum type="arabicPeriod"/>
             </a:pPr>
             <a:r>
-              <a:rPr lang="ru-RU" dirty="0" smtClean="0"/>
-              <a:t>Книга  Екклесиаст и литература </a:t>
-            </a:r>
-            <a:r>
-              <a:rPr lang="ru-RU" dirty="0" err="1" smtClean="0"/>
-              <a:t>Древенго</a:t>
-            </a:r>
-            <a:r>
-              <a:rPr lang="ru-RU" dirty="0" smtClean="0"/>
-              <a:t> Египта</a:t>
-            </a:r>
-          </a:p>
-          <a:p>
-            <a:endParaRPr lang="ru-RU" dirty="0"/>
+              <a:rPr lang="ru-RU" sz="1500" b="1" dirty="0"/>
+              <a:t>Штейдлин</a:t>
+            </a:r>
+            <a:br>
+              <a:rPr lang="ru-RU" sz="1500" b="1" dirty="0"/>
+            </a:br>
+            <a:r>
+              <a:rPr lang="ru-RU" sz="1500" dirty="0"/>
+              <a:t>разобщенность внутреннего содержания книги с разобщенностью внутреннего состояния Соломона. Несвязна и обрывочна, как и всякое н предприятие не завершенное, а потому и не достигшее целостности.</a:t>
+            </a:r>
+          </a:p>
+          <a:p>
+            <a:pPr marL="651510" lvl="0" indent="-514350">
+              <a:buFont typeface="+mj-lt"/>
+              <a:buAutoNum type="arabicPeriod"/>
+            </a:pPr>
+            <a:r>
+              <a:rPr lang="ru-RU" sz="1500" b="1" dirty="0"/>
+              <a:t>Фон-дер Пальма, Бертольд, </a:t>
+            </a:r>
+            <a:r>
+              <a:rPr lang="ru-RU" sz="1500" b="1" dirty="0" err="1"/>
+              <a:t>Кнобель</a:t>
+            </a:r>
+            <a:r>
+              <a:rPr lang="ru-RU" sz="1500" dirty="0"/>
+              <a:t> все признаки внутренней согласованности, но вот некоторые ее части выбиваются из общего строя. Эти части суть не что иное, как позднейшие вставки неизвестных авторов.</a:t>
+            </a:r>
+          </a:p>
+          <a:p>
+            <a:pPr lvl="0">
+              <a:buFont typeface="+mj-lt"/>
+              <a:buAutoNum type="arabicPeriod"/>
+            </a:pPr>
+            <a:r>
+              <a:rPr lang="ru-RU" sz="1500" b="1" dirty="0"/>
+              <a:t>Ярд и Пуль, а также Гердер и </a:t>
+            </a:r>
+            <a:r>
+              <a:rPr lang="ru-RU" sz="1500" b="1" dirty="0" err="1"/>
+              <a:t>Эйхгорн</a:t>
+            </a:r>
+            <a:r>
+              <a:rPr lang="ru-RU" sz="1500" b="1" dirty="0"/>
+              <a:t/>
+            </a:r>
+            <a:br>
+              <a:rPr lang="ru-RU" sz="1500" b="1" dirty="0"/>
+            </a:br>
+            <a:r>
+              <a:rPr lang="ru-RU" sz="1500" dirty="0"/>
+              <a:t>Исследователь и </a:t>
+            </a:r>
+            <a:r>
+              <a:rPr lang="ru-RU" sz="1500" dirty="0" smtClean="0"/>
+              <a:t>учитель</a:t>
+            </a:r>
+            <a:endParaRPr lang="ru-RU" sz="1500" dirty="0" smtClean="0"/>
+          </a:p>
+          <a:p>
+            <a:r>
+              <a:rPr lang="ru-RU" sz="2200" dirty="0" smtClean="0"/>
+              <a:t>Возможность </a:t>
+            </a:r>
+            <a:r>
+              <a:rPr lang="ru-RU" sz="2200" dirty="0" smtClean="0"/>
+              <a:t>трактовки книги, как книги поэтической</a:t>
+            </a:r>
+            <a:endParaRPr lang="ru-RU" sz="2200" dirty="0"/>
           </a:p>
         </p:txBody>
       </p:sp>
     </p:spTree>
     <p:extLst>
       <p:ext uri="{BB962C8B-B14F-4D97-AF65-F5344CB8AC3E}">
-        <p14:creationId xmlns:p14="http://schemas.microsoft.com/office/powerpoint/2010/main" val="1294631527"/>
+        <p14:creationId xmlns:p14="http://schemas.microsoft.com/office/powerpoint/2010/main" val="5389093"/>
       </p:ext>
     </p:extLst>
   </p:cSld>
